--- a/Dev/Day 12 - Getting Started with Lightning Web Component.pptx
+++ b/Dev/Day 12 - Getting Started with Lightning Web Component.pptx
@@ -3549,15 +3549,15 @@
 </file>
 
 <file path=ppt/diagrams/colors5.xml><?xml version="1.0" encoding="utf-8"?>
-<dgm:colorsDef xmlns:dgm="http://schemas.openxmlformats.org/drawingml/2006/diagram" xmlns:a="http://schemas.openxmlformats.org/drawingml/2006/main" uniqueId="urn:microsoft.com/office/officeart/2018/5/colors/Iconchunking_neutralbg_accent1_2">
+<dgm:colorsDef xmlns:dgm="http://schemas.openxmlformats.org/drawingml/2006/diagram" xmlns:a="http://schemas.openxmlformats.org/drawingml/2006/main" uniqueId="urn:microsoft.com/office/officeart/2018/5/colors/Iconchunking_neutralbg_accent5_2">
   <dgm:title val=""/>
   <dgm:desc val=""/>
   <dgm:catLst>
-    <dgm:cat type="accent1" pri="11200"/>
+    <dgm:cat type="accent5" pri="15200"/>
   </dgm:catLst>
   <dgm:styleLbl name="node0">
     <dgm:fillClrLst meth="repeat">
-      <a:schemeClr val="accent1"/>
+      <a:schemeClr val="accent5"/>
     </dgm:fillClrLst>
     <dgm:linClrLst meth="repeat">
       <a:schemeClr val="lt1"/>
@@ -3567,21 +3567,9 @@
     <dgm:txFillClrLst/>
     <dgm:txEffectClrLst/>
   </dgm:styleLbl>
-  <dgm:styleLbl name="alignNode1">
-    <dgm:fillClrLst meth="repeat">
-      <a:schemeClr val="accent1"/>
-    </dgm:fillClrLst>
-    <dgm:linClrLst meth="repeat">
-      <a:schemeClr val="accent1"/>
-    </dgm:linClrLst>
-    <dgm:effectClrLst/>
-    <dgm:txLinClrLst/>
-    <dgm:txFillClrLst/>
-    <dgm:txEffectClrLst/>
-  </dgm:styleLbl>
   <dgm:styleLbl name="node1">
     <dgm:fillClrLst meth="repeat">
-      <a:schemeClr val="accent1"/>
+      <a:schemeClr val="accent5"/>
     </dgm:fillClrLst>
     <dgm:linClrLst meth="repeat">
       <a:schemeClr val="lt1">
@@ -3593,9 +3581,21 @@
     <dgm:txFillClrLst/>
     <dgm:txEffectClrLst/>
   </dgm:styleLbl>
+  <dgm:styleLbl name="alignNode1">
+    <dgm:fillClrLst meth="repeat">
+      <a:schemeClr val="accent5"/>
+    </dgm:fillClrLst>
+    <dgm:linClrLst meth="repeat">
+      <a:schemeClr val="accent5"/>
+    </dgm:linClrLst>
+    <dgm:effectClrLst/>
+    <dgm:txLinClrLst/>
+    <dgm:txFillClrLst/>
+    <dgm:txEffectClrLst/>
+  </dgm:styleLbl>
   <dgm:styleLbl name="lnNode1">
     <dgm:fillClrLst meth="repeat">
-      <a:schemeClr val="accent1"/>
+      <a:schemeClr val="accent5"/>
     </dgm:fillClrLst>
     <dgm:linClrLst meth="repeat">
       <a:schemeClr val="lt1"/>
@@ -3607,7 +3607,7 @@
   </dgm:styleLbl>
   <dgm:styleLbl name="vennNode1">
     <dgm:fillClrLst meth="repeat">
-      <a:schemeClr val="accent1">
+      <a:schemeClr val="accent5">
         <a:alpha val="50000"/>
       </a:schemeClr>
     </dgm:fillClrLst>
@@ -3621,7 +3621,7 @@
   </dgm:styleLbl>
   <dgm:styleLbl name="node2">
     <dgm:fillClrLst meth="repeat">
-      <a:schemeClr val="accent1"/>
+      <a:schemeClr val="accent5"/>
     </dgm:fillClrLst>
     <dgm:linClrLst meth="repeat">
       <a:schemeClr val="lt1"/>
@@ -3633,7 +3633,7 @@
   </dgm:styleLbl>
   <dgm:styleLbl name="node3">
     <dgm:fillClrLst meth="repeat">
-      <a:schemeClr val="accent1"/>
+      <a:schemeClr val="accent5"/>
     </dgm:fillClrLst>
     <dgm:linClrLst meth="repeat">
       <a:schemeClr val="lt1"/>
@@ -3645,7 +3645,7 @@
   </dgm:styleLbl>
   <dgm:styleLbl name="node4">
     <dgm:fillClrLst meth="repeat">
-      <a:schemeClr val="accent1"/>
+      <a:schemeClr val="accent5"/>
     </dgm:fillClrLst>
     <dgm:linClrLst meth="repeat">
       <a:schemeClr val="lt1"/>
@@ -3657,7 +3657,7 @@
   </dgm:styleLbl>
   <dgm:styleLbl name="fgImgPlace1">
     <dgm:fillClrLst meth="repeat">
-      <a:schemeClr val="accent1">
+      <a:schemeClr val="accent5">
         <a:tint val="50000"/>
       </a:schemeClr>
     </dgm:fillClrLst>
@@ -3673,7 +3673,7 @@
   </dgm:styleLbl>
   <dgm:styleLbl name="alignImgPlace1">
     <dgm:fillClrLst meth="repeat">
-      <a:schemeClr val="accent1">
+      <a:schemeClr val="accent5">
         <a:tint val="50000"/>
       </a:schemeClr>
     </dgm:fillClrLst>
@@ -3689,7 +3689,7 @@
   </dgm:styleLbl>
   <dgm:styleLbl name="bgImgPlace1">
     <dgm:fillClrLst meth="repeat">
-      <a:schemeClr val="accent1">
+      <a:schemeClr val="accent5">
         <a:tint val="50000"/>
       </a:schemeClr>
     </dgm:fillClrLst>
@@ -3705,12 +3705,12 @@
   </dgm:styleLbl>
   <dgm:styleLbl name="sibTrans2D1">
     <dgm:fillClrLst meth="repeat">
-      <a:schemeClr val="accent1">
+      <a:schemeClr val="accent5">
         <a:tint val="60000"/>
       </a:schemeClr>
     </dgm:fillClrLst>
     <dgm:linClrLst meth="repeat">
-      <a:schemeClr val="accent1">
+      <a:schemeClr val="accent5">
         <a:tint val="60000"/>
       </a:schemeClr>
     </dgm:linClrLst>
@@ -3721,12 +3721,12 @@
   </dgm:styleLbl>
   <dgm:styleLbl name="fgSibTrans2D1">
     <dgm:fillClrLst meth="repeat">
-      <a:schemeClr val="accent1">
+      <a:schemeClr val="accent5">
         <a:tint val="60000"/>
       </a:schemeClr>
     </dgm:fillClrLst>
     <dgm:linClrLst meth="repeat">
-      <a:schemeClr val="accent1">
+      <a:schemeClr val="accent5">
         <a:tint val="60000"/>
       </a:schemeClr>
     </dgm:linClrLst>
@@ -3737,12 +3737,12 @@
   </dgm:styleLbl>
   <dgm:styleLbl name="bgSibTrans2D1">
     <dgm:fillClrLst meth="repeat">
-      <a:schemeClr val="accent1">
+      <a:schemeClr val="accent5">
         <a:tint val="60000"/>
       </a:schemeClr>
     </dgm:fillClrLst>
     <dgm:linClrLst meth="repeat">
-      <a:schemeClr val="accent1">
+      <a:schemeClr val="accent5">
         <a:tint val="60000"/>
       </a:schemeClr>
     </dgm:linClrLst>
@@ -3753,10 +3753,10 @@
   </dgm:styleLbl>
   <dgm:styleLbl name="sibTrans1D1">
     <dgm:fillClrLst meth="repeat">
-      <a:schemeClr val="accent1"/>
+      <a:schemeClr val="accent5"/>
     </dgm:fillClrLst>
     <dgm:linClrLst meth="repeat">
-      <a:schemeClr val="accent1"/>
+      <a:schemeClr val="accent5"/>
     </dgm:linClrLst>
     <dgm:effectClrLst/>
     <dgm:txLinClrLst/>
@@ -3767,10 +3767,10 @@
   </dgm:styleLbl>
   <dgm:styleLbl name="callout">
     <dgm:fillClrLst meth="repeat">
-      <a:schemeClr val="accent1"/>
+      <a:schemeClr val="accent5"/>
     </dgm:fillClrLst>
     <dgm:linClrLst meth="repeat">
-      <a:schemeClr val="accent1">
+      <a:schemeClr val="accent5">
         <a:tint val="50000"/>
       </a:schemeClr>
     </dgm:linClrLst>
@@ -3783,7 +3783,7 @@
   </dgm:styleLbl>
   <dgm:styleLbl name="asst0">
     <dgm:fillClrLst meth="repeat">
-      <a:schemeClr val="accent1"/>
+      <a:schemeClr val="accent5"/>
     </dgm:fillClrLst>
     <dgm:linClrLst meth="repeat">
       <a:schemeClr val="lt1"/>
@@ -3795,7 +3795,7 @@
   </dgm:styleLbl>
   <dgm:styleLbl name="asst1">
     <dgm:fillClrLst meth="repeat">
-      <a:schemeClr val="accent1"/>
+      <a:schemeClr val="accent5"/>
     </dgm:fillClrLst>
     <dgm:linClrLst meth="repeat">
       <a:schemeClr val="lt1"/>
@@ -3807,7 +3807,7 @@
   </dgm:styleLbl>
   <dgm:styleLbl name="asst2">
     <dgm:fillClrLst meth="repeat">
-      <a:schemeClr val="accent1"/>
+      <a:schemeClr val="accent5"/>
     </dgm:fillClrLst>
     <dgm:linClrLst meth="repeat">
       <a:schemeClr val="lt1"/>
@@ -3819,7 +3819,7 @@
   </dgm:styleLbl>
   <dgm:styleLbl name="asst3">
     <dgm:fillClrLst meth="repeat">
-      <a:schemeClr val="accent1"/>
+      <a:schemeClr val="accent5"/>
     </dgm:fillClrLst>
     <dgm:linClrLst meth="repeat">
       <a:schemeClr val="lt1"/>
@@ -3831,7 +3831,7 @@
   </dgm:styleLbl>
   <dgm:styleLbl name="asst4">
     <dgm:fillClrLst meth="repeat">
-      <a:schemeClr val="accent1"/>
+      <a:schemeClr val="accent5"/>
     </dgm:fillClrLst>
     <dgm:linClrLst meth="repeat">
       <a:schemeClr val="lt1"/>
@@ -3843,12 +3843,12 @@
   </dgm:styleLbl>
   <dgm:styleLbl name="parChTrans2D1">
     <dgm:fillClrLst meth="repeat">
-      <a:schemeClr val="accent1">
+      <a:schemeClr val="accent5">
         <a:tint val="60000"/>
       </a:schemeClr>
     </dgm:fillClrLst>
     <dgm:linClrLst meth="repeat">
-      <a:schemeClr val="accent1">
+      <a:schemeClr val="accent5">
         <a:tint val="60000"/>
       </a:schemeClr>
     </dgm:linClrLst>
@@ -3861,10 +3861,10 @@
   </dgm:styleLbl>
   <dgm:styleLbl name="parChTrans2D2">
     <dgm:fillClrLst meth="repeat">
-      <a:schemeClr val="accent1"/>
+      <a:schemeClr val="accent5"/>
     </dgm:fillClrLst>
     <dgm:linClrLst meth="repeat">
-      <a:schemeClr val="accent1"/>
+      <a:schemeClr val="accent5"/>
     </dgm:linClrLst>
     <dgm:effectClrLst/>
     <dgm:txLinClrLst/>
@@ -3875,10 +3875,10 @@
   </dgm:styleLbl>
   <dgm:styleLbl name="parChTrans2D3">
     <dgm:fillClrLst meth="repeat">
-      <a:schemeClr val="accent1"/>
+      <a:schemeClr val="accent5"/>
     </dgm:fillClrLst>
     <dgm:linClrLst meth="repeat">
-      <a:schemeClr val="accent1"/>
+      <a:schemeClr val="accent5"/>
     </dgm:linClrLst>
     <dgm:effectClrLst/>
     <dgm:txLinClrLst/>
@@ -3889,10 +3889,10 @@
   </dgm:styleLbl>
   <dgm:styleLbl name="parChTrans2D4">
     <dgm:fillClrLst meth="repeat">
-      <a:schemeClr val="accent1"/>
+      <a:schemeClr val="accent5"/>
     </dgm:fillClrLst>
     <dgm:linClrLst meth="repeat">
-      <a:schemeClr val="accent1"/>
+      <a:schemeClr val="accent5"/>
     </dgm:linClrLst>
     <dgm:effectClrLst/>
     <dgm:txLinClrLst/>
@@ -3903,10 +3903,10 @@
   </dgm:styleLbl>
   <dgm:styleLbl name="parChTrans1D1">
     <dgm:fillClrLst meth="repeat">
-      <a:schemeClr val="accent1"/>
+      <a:schemeClr val="accent5"/>
     </dgm:fillClrLst>
     <dgm:linClrLst meth="repeat">
-      <a:schemeClr val="accent1">
+      <a:schemeClr val="accent5">
         <a:shade val="60000"/>
       </a:schemeClr>
     </dgm:linClrLst>
@@ -3919,10 +3919,10 @@
   </dgm:styleLbl>
   <dgm:styleLbl name="parChTrans1D2">
     <dgm:fillClrLst meth="repeat">
-      <a:schemeClr val="accent1"/>
+      <a:schemeClr val="accent5"/>
     </dgm:fillClrLst>
     <dgm:linClrLst meth="repeat">
-      <a:schemeClr val="accent1">
+      <a:schemeClr val="accent5">
         <a:shade val="60000"/>
       </a:schemeClr>
     </dgm:linClrLst>
@@ -3935,10 +3935,10 @@
   </dgm:styleLbl>
   <dgm:styleLbl name="parChTrans1D3">
     <dgm:fillClrLst meth="repeat">
-      <a:schemeClr val="accent1"/>
+      <a:schemeClr val="accent5"/>
     </dgm:fillClrLst>
     <dgm:linClrLst meth="repeat">
-      <a:schemeClr val="accent1">
+      <a:schemeClr val="accent5">
         <a:shade val="80000"/>
       </a:schemeClr>
     </dgm:linClrLst>
@@ -3951,10 +3951,10 @@
   </dgm:styleLbl>
   <dgm:styleLbl name="parChTrans1D4">
     <dgm:fillClrLst meth="repeat">
-      <a:schemeClr val="accent1"/>
+      <a:schemeClr val="accent5"/>
     </dgm:fillClrLst>
     <dgm:linClrLst meth="repeat">
-      <a:schemeClr val="accent1">
+      <a:schemeClr val="accent5">
         <a:shade val="80000"/>
       </a:schemeClr>
     </dgm:linClrLst>
@@ -3972,7 +3972,7 @@
       </a:schemeClr>
     </dgm:fillClrLst>
     <dgm:linClrLst meth="repeat">
-      <a:schemeClr val="accent1"/>
+      <a:schemeClr val="accent5"/>
     </dgm:linClrLst>
     <dgm:effectClrLst/>
     <dgm:txLinClrLst/>
@@ -3988,7 +3988,7 @@
       </a:schemeClr>
     </dgm:fillClrLst>
     <dgm:linClrLst meth="repeat">
-      <a:schemeClr val="accent1"/>
+      <a:schemeClr val="accent5"/>
     </dgm:linClrLst>
     <dgm:effectClrLst/>
     <dgm:txLinClrLst/>
@@ -4004,7 +4004,7 @@
       </a:schemeClr>
     </dgm:fillClrLst>
     <dgm:linClrLst meth="repeat">
-      <a:schemeClr val="accent1"/>
+      <a:schemeClr val="accent5"/>
     </dgm:linClrLst>
     <dgm:effectClrLst/>
     <dgm:txLinClrLst/>
@@ -4020,7 +4020,7 @@
       </a:schemeClr>
     </dgm:fillClrLst>
     <dgm:linClrLst meth="repeat">
-      <a:schemeClr val="accent1"/>
+      <a:schemeClr val="accent5"/>
     </dgm:linClrLst>
     <dgm:effectClrLst/>
     <dgm:txLinClrLst/>
@@ -4036,7 +4036,7 @@
       </a:schemeClr>
     </dgm:fillClrLst>
     <dgm:linClrLst meth="repeat">
-      <a:schemeClr val="accent1"/>
+      <a:schemeClr val="accent5"/>
     </dgm:linClrLst>
     <dgm:effectClrLst/>
     <dgm:txLinClrLst/>
@@ -4050,7 +4050,7 @@
       <a:schemeClr val="lt1"/>
     </dgm:fillClrLst>
     <dgm:linClrLst meth="repeat">
-      <a:schemeClr val="accent1"/>
+      <a:schemeClr val="accent5"/>
     </dgm:linClrLst>
     <dgm:effectClrLst/>
     <dgm:txLinClrLst/>
@@ -4064,7 +4064,7 @@
       <a:schemeClr val="lt1"/>
     </dgm:fillClrLst>
     <dgm:linClrLst meth="repeat">
-      <a:schemeClr val="accent1"/>
+      <a:schemeClr val="accent5"/>
     </dgm:linClrLst>
     <dgm:effectClrLst/>
     <dgm:txLinClrLst/>
@@ -4078,7 +4078,7 @@
       <a:schemeClr val="lt1"/>
     </dgm:fillClrLst>
     <dgm:linClrLst meth="repeat">
-      <a:schemeClr val="accent1"/>
+      <a:schemeClr val="accent5"/>
     </dgm:linClrLst>
     <dgm:effectClrLst/>
     <dgm:txLinClrLst/>
@@ -4089,13 +4089,13 @@
   </dgm:styleLbl>
   <dgm:styleLbl name="fgAccFollowNode1">
     <dgm:fillClrLst meth="repeat">
-      <a:schemeClr val="accent1">
+      <a:schemeClr val="accent5">
         <a:alpha val="90000"/>
         <a:tint val="40000"/>
       </a:schemeClr>
     </dgm:fillClrLst>
     <dgm:linClrLst meth="repeat">
-      <a:schemeClr val="accent1">
+      <a:schemeClr val="accent5">
         <a:alpha val="90000"/>
         <a:tint val="40000"/>
       </a:schemeClr>
@@ -4109,13 +4109,13 @@
   </dgm:styleLbl>
   <dgm:styleLbl name="alignAccFollowNode1">
     <dgm:fillClrLst meth="repeat">
-      <a:schemeClr val="accent1">
+      <a:schemeClr val="accent5">
         <a:alpha val="90000"/>
         <a:tint val="40000"/>
       </a:schemeClr>
     </dgm:fillClrLst>
     <dgm:linClrLst meth="repeat">
-      <a:schemeClr val="accent1">
+      <a:schemeClr val="accent5">
         <a:alpha val="90000"/>
         <a:tint val="40000"/>
       </a:schemeClr>
@@ -4129,13 +4129,13 @@
   </dgm:styleLbl>
   <dgm:styleLbl name="bgAccFollowNode1">
     <dgm:fillClrLst meth="repeat">
-      <a:schemeClr val="accent1">
+      <a:schemeClr val="accent5">
         <a:alpha val="90000"/>
         <a:tint val="40000"/>
       </a:schemeClr>
     </dgm:fillClrLst>
     <dgm:linClrLst meth="repeat">
-      <a:schemeClr val="accent1">
+      <a:schemeClr val="accent5">
         <a:alpha val="90000"/>
         <a:tint val="40000"/>
       </a:schemeClr>
@@ -4154,7 +4154,7 @@
       </a:schemeClr>
     </dgm:fillClrLst>
     <dgm:linClrLst meth="repeat">
-      <a:schemeClr val="accent1"/>
+      <a:schemeClr val="accent5"/>
     </dgm:linClrLst>
     <dgm:effectClrLst/>
     <dgm:txLinClrLst/>
@@ -4170,7 +4170,7 @@
       </a:schemeClr>
     </dgm:fillClrLst>
     <dgm:linClrLst meth="repeat">
-      <a:schemeClr val="accent1"/>
+      <a:schemeClr val="accent5"/>
     </dgm:linClrLst>
     <dgm:effectClrLst/>
     <dgm:txLinClrLst/>
@@ -4186,7 +4186,7 @@
       </a:schemeClr>
     </dgm:fillClrLst>
     <dgm:linClrLst meth="repeat">
-      <a:schemeClr val="accent1"/>
+      <a:schemeClr val="accent5"/>
     </dgm:linClrLst>
     <dgm:effectClrLst/>
     <dgm:txLinClrLst/>
@@ -4202,7 +4202,7 @@
       </a:schemeClr>
     </dgm:fillClrLst>
     <dgm:linClrLst meth="repeat">
-      <a:schemeClr val="accent1"/>
+      <a:schemeClr val="accent5"/>
     </dgm:linClrLst>
     <dgm:effectClrLst/>
     <dgm:txLinClrLst/>
@@ -4218,7 +4218,7 @@
       </a:schemeClr>
     </dgm:fillClrLst>
     <dgm:linClrLst meth="repeat">
-      <a:schemeClr val="accent1"/>
+      <a:schemeClr val="accent5"/>
     </dgm:linClrLst>
     <dgm:effectClrLst/>
     <dgm:txLinClrLst/>
@@ -4229,12 +4229,12 @@
   </dgm:styleLbl>
   <dgm:styleLbl name="dkBgShp">
     <dgm:fillClrLst meth="repeat">
-      <a:schemeClr val="accent1">
+      <a:schemeClr val="accent5">
         <a:shade val="80000"/>
       </a:schemeClr>
     </dgm:fillClrLst>
     <dgm:linClrLst meth="repeat">
-      <a:schemeClr val="accent1"/>
+      <a:schemeClr val="accent5"/>
     </dgm:linClrLst>
     <dgm:effectClrLst/>
     <dgm:txLinClrLst/>
@@ -4245,13 +4245,13 @@
   </dgm:styleLbl>
   <dgm:styleLbl name="trBgShp">
     <dgm:fillClrLst meth="repeat">
-      <a:schemeClr val="accent1">
+      <a:schemeClr val="accent5">
         <a:tint val="50000"/>
         <a:alpha val="40000"/>
       </a:schemeClr>
     </dgm:fillClrLst>
     <dgm:linClrLst meth="repeat">
-      <a:schemeClr val="accent1"/>
+      <a:schemeClr val="accent5"/>
     </dgm:linClrLst>
     <dgm:effectClrLst/>
     <dgm:txLinClrLst/>
@@ -4262,7 +4262,7 @@
   </dgm:styleLbl>
   <dgm:styleLbl name="fgShp">
     <dgm:fillClrLst meth="repeat">
-      <a:schemeClr val="accent1">
+      <a:schemeClr val="accent5">
         <a:tint val="60000"/>
       </a:schemeClr>
     </dgm:fillClrLst>
@@ -7820,7 +7820,7 @@
 <dgm:dataModel xmlns:dgm="http://schemas.openxmlformats.org/drawingml/2006/diagram" xmlns:a="http://schemas.openxmlformats.org/drawingml/2006/main">
   <dgm:ptLst>
     <dgm:pt modelId="{A13BB115-27FF-4647-AB34-24EA52FB1CE0}" type="doc">
-      <dgm:prSet loTypeId="urn:microsoft.com/office/officeart/2018/5/layout/CenteredIconLabelDescriptionList" loCatId="icon" qsTypeId="urn:microsoft.com/office/officeart/2005/8/quickstyle/simple1" qsCatId="simple" csTypeId="urn:microsoft.com/office/officeart/2018/5/colors/Iconchunking_neutralbg_accent1_2" csCatId="accent1" phldr="1"/>
+      <dgm:prSet loTypeId="urn:microsoft.com/office/officeart/2018/5/layout/CenteredIconLabelDescriptionList" loCatId="icon" qsTypeId="urn:microsoft.com/office/officeart/2005/8/quickstyle/simple1" qsCatId="simple" csTypeId="urn:microsoft.com/office/officeart/2018/5/colors/Iconchunking_neutralbg_accent5_2" csCatId="accent5" phldr="1"/>
       <dgm:spPr/>
       <dgm:t>
         <a:bodyPr/>
@@ -7841,10 +7841,10 @@
             <a:defRPr b="1"/>
           </a:pPr>
           <a:r>
-            <a:rPr lang="en-IN"/>
+            <a:rPr lang="en-IN" dirty="0"/>
             <a:t>JDK</a:t>
           </a:r>
-          <a:endParaRPr lang="en-US"/>
+          <a:endParaRPr lang="en-US" dirty="0"/>
         </a:p>
       </dgm:t>
     </dgm:pt>
@@ -7881,10 +7881,10 @@
             <a:defRPr b="1"/>
           </a:pPr>
           <a:r>
-            <a:rPr lang="en-IN"/>
+            <a:rPr lang="en-IN" dirty="0"/>
             <a:t>VS Code</a:t>
           </a:r>
-          <a:endParaRPr lang="en-US"/>
+          <a:endParaRPr lang="en-US" dirty="0"/>
         </a:p>
       </dgm:t>
     </dgm:pt>
@@ -7959,12 +7959,12 @@
         <a:lstStyle/>
         <a:p>
           <a:r>
-            <a:rPr lang="en-IN">
+            <a:rPr lang="en-IN" dirty="0">
               <a:latin typeface="Palatino"/>
             </a:rPr>
             <a:t>Salesforce Extension pack ( Extension )</a:t>
           </a:r>
-          <a:endParaRPr lang="en-US">
+          <a:endParaRPr lang="en-US" dirty="0">
             <a:latin typeface="Palatino"/>
           </a:endParaRPr>
         </a:p>
@@ -8003,10 +8003,10 @@
             <a:defRPr b="1"/>
           </a:pPr>
           <a:r>
-            <a:rPr lang="en-IN"/>
+            <a:rPr lang="en-IN" dirty="0"/>
             <a:t>CLI</a:t>
           </a:r>
-          <a:endParaRPr lang="en-US"/>
+          <a:endParaRPr lang="en-US" dirty="0"/>
         </a:p>
       </dgm:t>
     </dgm:pt>
@@ -8169,7 +8169,7 @@
       <dgm:spPr/>
     </dgm:pt>
     <dgm:pt modelId="{BA6CE94A-477F-4EE4-AB37-3F7C5B890B94}" type="pres">
-      <dgm:prSet presAssocID="{08FD80C5-5485-48B4-905E-F3F36F6B5B2A}" presName="iconRect" presStyleLbl="node1" presStyleIdx="0" presStyleCnt="3" custLinFactNeighborX="1325"/>
+      <dgm:prSet presAssocID="{08FD80C5-5485-48B4-905E-F3F36F6B5B2A}" presName="iconRect" presStyleLbl="node1" presStyleIdx="0" presStyleCnt="3" custLinFactNeighborX="2592" custLinFactNeighborY="-53739"/>
       <dgm:spPr>
         <a:blipFill>
           <a:blip xmlns:r="http://schemas.openxmlformats.org/officeDocument/2006/relationships" r:embed="rId1">
@@ -8202,7 +8202,7 @@
       <dgm:spPr/>
     </dgm:pt>
     <dgm:pt modelId="{A02228F1-A242-4A66-BA86-4853A7C3CE79}" type="pres">
-      <dgm:prSet presAssocID="{08FD80C5-5485-48B4-905E-F3F36F6B5B2A}" presName="parTx" presStyleLbl="revTx" presStyleIdx="0" presStyleCnt="6">
+      <dgm:prSet presAssocID="{08FD80C5-5485-48B4-905E-F3F36F6B5B2A}" presName="parTx" presStyleLbl="revTx" presStyleIdx="0" presStyleCnt="6" custLinFactNeighborX="2573" custLinFactNeighborY="-91530">
         <dgm:presLayoutVars>
           <dgm:chMax val="0"/>
           <dgm:chPref val="0"/>
@@ -8229,7 +8229,7 @@
       <dgm:spPr/>
     </dgm:pt>
     <dgm:pt modelId="{FE950F3D-EECD-4ACC-9DA6-E08BD2520F24}" type="pres">
-      <dgm:prSet presAssocID="{B0C5C983-AB99-4C7E-851D-1B4B0CA7E028}" presName="iconRect" presStyleLbl="node1" presStyleIdx="1" presStyleCnt="3"/>
+      <dgm:prSet presAssocID="{B0C5C983-AB99-4C7E-851D-1B4B0CA7E028}" presName="iconRect" presStyleLbl="node1" presStyleIdx="1" presStyleCnt="3" custLinFactNeighborX="0" custLinFactNeighborY="-40938"/>
       <dgm:spPr>
         <a:blipFill>
           <a:blip xmlns:r="http://schemas.openxmlformats.org/officeDocument/2006/relationships" r:embed="rId3">
@@ -8253,7 +8253,7 @@
       </dgm:spPr>
       <dgm:extLst>
         <a:ext uri="{E40237B7-FDA0-4F09-8148-C483321AD2D9}">
-          <dgm14:cNvPr xmlns:dgm14="http://schemas.microsoft.com/office/drawing/2010/diagram" id="0" name="" descr="City"/>
+          <dgm14:cNvPr xmlns:dgm14="http://schemas.microsoft.com/office/drawing/2010/diagram" id="0" name="" descr="Beaker"/>
         </a:ext>
       </dgm:extLst>
     </dgm:pt>
@@ -8262,7 +8262,7 @@
       <dgm:spPr/>
     </dgm:pt>
     <dgm:pt modelId="{DBDD8653-309D-49CD-9B4E-4CA6D635B898}" type="pres">
-      <dgm:prSet presAssocID="{B0C5C983-AB99-4C7E-851D-1B4B0CA7E028}" presName="parTx" presStyleLbl="revTx" presStyleIdx="2" presStyleCnt="6">
+      <dgm:prSet presAssocID="{B0C5C983-AB99-4C7E-851D-1B4B0CA7E028}" presName="parTx" presStyleLbl="revTx" presStyleIdx="2" presStyleCnt="6" custLinFactNeighborX="0" custLinFactNeighborY="-74258">
         <dgm:presLayoutVars>
           <dgm:chMax val="0"/>
           <dgm:chPref val="0"/>
@@ -8275,7 +8275,7 @@
       <dgm:spPr/>
     </dgm:pt>
     <dgm:pt modelId="{E2BAC69F-40E0-4F33-B705-25A7E8EE392B}" type="pres">
-      <dgm:prSet presAssocID="{B0C5C983-AB99-4C7E-851D-1B4B0CA7E028}" presName="desTx" presStyleLbl="revTx" presStyleIdx="3" presStyleCnt="6">
+      <dgm:prSet presAssocID="{B0C5C983-AB99-4C7E-851D-1B4B0CA7E028}" presName="desTx" presStyleLbl="revTx" presStyleIdx="3" presStyleCnt="6" custScaleX="151366" custLinFactNeighborX="0" custLinFactNeighborY="21841">
         <dgm:presLayoutVars/>
       </dgm:prSet>
       <dgm:spPr/>
@@ -8289,7 +8289,7 @@
       <dgm:spPr/>
     </dgm:pt>
     <dgm:pt modelId="{5B3E1A43-44DB-43AC-B172-15227C049A8A}" type="pres">
-      <dgm:prSet presAssocID="{A3A128DB-9BD1-49E3-ABC9-41B84EC9A9A7}" presName="iconRect" presStyleLbl="node1" presStyleIdx="2" presStyleCnt="3"/>
+      <dgm:prSet presAssocID="{A3A128DB-9BD1-49E3-ABC9-41B84EC9A9A7}" presName="iconRect" presStyleLbl="node1" presStyleIdx="2" presStyleCnt="3" custLinFactNeighborX="1302" custLinFactNeighborY="-21046"/>
       <dgm:spPr>
         <a:blipFill>
           <a:blip xmlns:r="http://schemas.openxmlformats.org/officeDocument/2006/relationships" r:embed="rId5">
@@ -8322,7 +8322,7 @@
       <dgm:spPr/>
     </dgm:pt>
     <dgm:pt modelId="{360F612E-EDE8-4E65-899F-FE24BF68AEF4}" type="pres">
-      <dgm:prSet presAssocID="{A3A128DB-9BD1-49E3-ABC9-41B84EC9A9A7}" presName="parTx" presStyleLbl="revTx" presStyleIdx="4" presStyleCnt="6">
+      <dgm:prSet presAssocID="{A3A128DB-9BD1-49E3-ABC9-41B84EC9A9A7}" presName="parTx" presStyleLbl="revTx" presStyleIdx="4" presStyleCnt="6" custLinFactNeighborX="-3484" custLinFactNeighborY="-60161">
         <dgm:presLayoutVars>
           <dgm:chMax val="0"/>
           <dgm:chPref val="0"/>
@@ -8335,7 +8335,7 @@
       <dgm:spPr/>
     </dgm:pt>
     <dgm:pt modelId="{4E514754-F99E-44C3-A89E-0FAAAF2E09EA}" type="pres">
-      <dgm:prSet presAssocID="{A3A128DB-9BD1-49E3-ABC9-41B84EC9A9A7}" presName="desTx" presStyleLbl="revTx" presStyleIdx="5" presStyleCnt="6">
+      <dgm:prSet presAssocID="{A3A128DB-9BD1-49E3-ABC9-41B84EC9A9A7}" presName="desTx" presStyleLbl="revTx" presStyleIdx="5" presStyleCnt="6" custScaleY="263526" custLinFactNeighborX="-681" custLinFactNeighborY="86230">
         <dgm:presLayoutVars/>
       </dgm:prSet>
       <dgm:spPr/>
@@ -11991,8 +11991,8 @@
       </dsp:nvSpPr>
       <dsp:spPr>
         <a:xfrm>
-          <a:off x="1035043" y="523520"/>
-          <a:ext cx="1098562" cy="1098562"/>
+          <a:off x="914396" y="685648"/>
+          <a:ext cx="951452" cy="951452"/>
         </a:xfrm>
         <a:prstGeom prst="rect">
           <a:avLst/>
@@ -12041,8 +12041,8 @@
       </dsp:nvSpPr>
       <dsp:spPr>
         <a:xfrm>
-          <a:off x="393" y="1764167"/>
-          <a:ext cx="3138750" cy="470812"/>
+          <a:off x="76188" y="1859396"/>
+          <a:ext cx="2718436" cy="407765"/>
         </a:xfrm>
         <a:prstGeom prst="rect">
           <a:avLst/>
@@ -12071,7 +12071,7 @@
         </a:bodyPr>
         <a:lstStyle/>
         <a:p>
-          <a:pPr marL="0" lvl="0" indent="0" algn="ctr" defTabSz="1555750">
+          <a:pPr marL="0" lvl="0" indent="0" algn="ctr" defTabSz="1377950">
             <a:lnSpc>
               <a:spcPct val="90000"/>
             </a:lnSpc>
@@ -12085,15 +12085,15 @@
             <a:defRPr b="1"/>
           </a:pPr>
           <a:r>
-            <a:rPr lang="en-IN" sz="3500" kern="1200"/>
+            <a:rPr lang="en-IN" sz="3100" kern="1200" dirty="0"/>
             <a:t>JDK</a:t>
           </a:r>
-          <a:endParaRPr lang="en-US" sz="3500" kern="1200"/>
+          <a:endParaRPr lang="en-US" sz="3100" kern="1200" dirty="0"/>
         </a:p>
       </dsp:txBody>
       <dsp:txXfrm>
-        <a:off x="393" y="1764167"/>
-        <a:ext cx="3138750" cy="470812"/>
+        <a:off x="76188" y="1859396"/>
+        <a:ext cx="2718436" cy="407765"/>
       </dsp:txXfrm>
     </dsp:sp>
     <dsp:sp modelId="{C42E6968-5C75-4639-A894-339E4114950E}">
@@ -12103,8 +12103,8 @@
       </dsp:nvSpPr>
       <dsp:spPr>
         <a:xfrm>
-          <a:off x="393" y="2301066"/>
-          <a:ext cx="3138750" cy="1526751"/>
+          <a:off x="6242" y="2679562"/>
+          <a:ext cx="2718436" cy="476031"/>
         </a:xfrm>
         <a:prstGeom prst="rect">
           <a:avLst/>
@@ -12157,8 +12157,8 @@
         </a:p>
       </dsp:txBody>
       <dsp:txXfrm>
-        <a:off x="393" y="2301066"/>
-        <a:ext cx="3138750" cy="1526751"/>
+        <a:off x="6242" y="2679562"/>
+        <a:ext cx="2718436" cy="476031"/>
       </dsp:txXfrm>
     </dsp:sp>
     <dsp:sp modelId="{FE950F3D-EECD-4ACC-9DA6-E08BD2520F24}">
@@ -12168,8 +12168,8 @@
       </dsp:nvSpPr>
       <dsp:spPr>
         <a:xfrm>
-          <a:off x="4708518" y="523520"/>
-          <a:ext cx="1098562" cy="1098562"/>
+          <a:off x="4782073" y="645130"/>
+          <a:ext cx="951452" cy="951452"/>
         </a:xfrm>
         <a:prstGeom prst="rect">
           <a:avLst/>
@@ -12218,8 +12218,8 @@
       </dsp:nvSpPr>
       <dsp:spPr>
         <a:xfrm>
-          <a:off x="3688425" y="1764167"/>
-          <a:ext cx="3138750" cy="470812"/>
+          <a:off x="3898581" y="1767512"/>
+          <a:ext cx="2718436" cy="407765"/>
         </a:xfrm>
         <a:prstGeom prst="rect">
           <a:avLst/>
@@ -12248,7 +12248,7 @@
         </a:bodyPr>
         <a:lstStyle/>
         <a:p>
-          <a:pPr marL="0" lvl="0" indent="0" algn="ctr" defTabSz="1555750">
+          <a:pPr marL="0" lvl="0" indent="0" algn="ctr" defTabSz="1377950">
             <a:lnSpc>
               <a:spcPct val="90000"/>
             </a:lnSpc>
@@ -12262,15 +12262,15 @@
             <a:defRPr b="1"/>
           </a:pPr>
           <a:r>
-            <a:rPr lang="en-IN" sz="3500" kern="1200"/>
+            <a:rPr lang="en-IN" sz="3100" kern="1200" dirty="0"/>
             <a:t>VS Code</a:t>
           </a:r>
-          <a:endParaRPr lang="en-US" sz="3500" kern="1200"/>
+          <a:endParaRPr lang="en-US" sz="3100" kern="1200" dirty="0"/>
         </a:p>
       </dsp:txBody>
       <dsp:txXfrm>
-        <a:off x="3688425" y="1764167"/>
-        <a:ext cx="3138750" cy="470812"/>
+        <a:off x="3898581" y="1767512"/>
+        <a:ext cx="2718436" cy="407765"/>
       </dsp:txXfrm>
     </dsp:sp>
     <dsp:sp modelId="{E2BAC69F-40E0-4F33-B705-25A7E8EE392B}">
@@ -12280,8 +12280,8 @@
       </dsp:nvSpPr>
       <dsp:spPr>
         <a:xfrm>
-          <a:off x="3688425" y="2301066"/>
-          <a:ext cx="3138750" cy="1526751"/>
+          <a:off x="3200405" y="2438396"/>
+          <a:ext cx="4114788" cy="1125285"/>
         </a:xfrm>
         <a:prstGeom prst="rect">
           <a:avLst/>
@@ -12346,12 +12346,12 @@
             <a:buNone/>
           </a:pPr>
           <a:r>
-            <a:rPr lang="en-IN" sz="1700" kern="1200">
+            <a:rPr lang="en-IN" sz="1700" kern="1200" dirty="0">
               <a:latin typeface="Palatino"/>
             </a:rPr>
             <a:t>Salesforce Extension pack ( Extension )</a:t>
           </a:r>
-          <a:endParaRPr lang="en-US" sz="1700" kern="1200">
+          <a:endParaRPr lang="en-US" sz="1700" kern="1200" dirty="0">
             <a:latin typeface="Palatino"/>
           </a:endParaRPr>
         </a:p>
@@ -12380,8 +12380,8 @@
         </a:p>
       </dsp:txBody>
       <dsp:txXfrm>
-        <a:off x="3688425" y="2301066"/>
-        <a:ext cx="3138750" cy="1526751"/>
+        <a:off x="3200405" y="2438396"/>
+        <a:ext cx="4114788" cy="1125285"/>
       </dsp:txXfrm>
     </dsp:sp>
     <dsp:sp modelId="{5B3E1A43-44DB-43AC-B172-15227C049A8A}">
@@ -12391,8 +12391,8 @@
       </dsp:nvSpPr>
       <dsp:spPr>
         <a:xfrm>
-          <a:off x="8396550" y="523520"/>
-          <a:ext cx="1098562" cy="1098562"/>
+          <a:off x="8686800" y="761997"/>
+          <a:ext cx="951452" cy="951452"/>
         </a:xfrm>
         <a:prstGeom prst="rect">
           <a:avLst/>
@@ -12441,8 +12441,8 @@
       </dsp:nvSpPr>
       <dsp:spPr>
         <a:xfrm>
-          <a:off x="7376456" y="1764167"/>
-          <a:ext cx="3138750" cy="470812"/>
+          <a:off x="7696210" y="1752598"/>
+          <a:ext cx="2718436" cy="407765"/>
         </a:xfrm>
         <a:prstGeom prst="rect">
           <a:avLst/>
@@ -12471,7 +12471,7 @@
         </a:bodyPr>
         <a:lstStyle/>
         <a:p>
-          <a:pPr marL="0" lvl="0" indent="0" algn="ctr" defTabSz="1555750">
+          <a:pPr marL="0" lvl="0" indent="0" algn="ctr" defTabSz="1377950">
             <a:lnSpc>
               <a:spcPct val="90000"/>
             </a:lnSpc>
@@ -12485,15 +12485,15 @@
             <a:defRPr b="1"/>
           </a:pPr>
           <a:r>
-            <a:rPr lang="en-IN" sz="3500" kern="1200"/>
+            <a:rPr lang="en-IN" sz="3100" kern="1200" dirty="0"/>
             <a:t>CLI</a:t>
           </a:r>
-          <a:endParaRPr lang="en-US" sz="3500" kern="1200"/>
+          <a:endParaRPr lang="en-US" sz="3100" kern="1200" dirty="0"/>
         </a:p>
       </dsp:txBody>
       <dsp:txXfrm>
-        <a:off x="7376456" y="1764167"/>
-        <a:ext cx="3138750" cy="470812"/>
+        <a:off x="7696210" y="1752598"/>
+        <a:ext cx="2718436" cy="407765"/>
       </dsp:txXfrm>
     </dsp:sp>
     <dsp:sp modelId="{4E514754-F99E-44C3-A89E-0FAAAF2E09EA}">
@@ -12503,8 +12503,8 @@
       </dsp:nvSpPr>
       <dsp:spPr>
         <a:xfrm>
-          <a:off x="7376456" y="2301066"/>
-          <a:ext cx="3138750" cy="1526751"/>
+          <a:off x="7772408" y="2438402"/>
+          <a:ext cx="2718436" cy="1414869"/>
         </a:xfrm>
         <a:prstGeom prst="rect">
           <a:avLst/>
@@ -12557,8 +12557,8 @@
         </a:p>
       </dsp:txBody>
       <dsp:txXfrm>
-        <a:off x="7376456" y="2301066"/>
-        <a:ext cx="3138750" cy="1526751"/>
+        <a:off x="7772408" y="2438402"/>
+        <a:ext cx="2718436" cy="1414869"/>
       </dsp:txXfrm>
     </dsp:sp>
   </dsp:spTree>
@@ -27977,8 +27977,8 @@
         </p:nvSpPr>
         <p:spPr>
           <a:xfrm>
-            <a:off x="859604" y="31679"/>
-            <a:ext cx="10515600" cy="930275"/>
+            <a:off x="1066800" y="35960"/>
+            <a:ext cx="10515600" cy="854075"/>
           </a:xfrm>
           <a:prstGeom prst="rect">
             <a:avLst/>
@@ -28008,7 +28008,7 @@
                 <a:solidFill>
                   <a:schemeClr val="bg1"/>
                 </a:solidFill>
-                <a:latin typeface="+mj-lt"/>
+                <a:latin typeface="Palatino"/>
                 <a:ea typeface="+mj-ea"/>
                 <a:cs typeface="+mj-cs"/>
               </a:rPr>
@@ -28030,14 +28030,14 @@
           <p:nvPr>
             <p:extLst>
               <p:ext uri="{D42A27DB-BD31-4B8C-83A1-F6EECF244321}">
-                <p14:modId xmlns:p14="http://schemas.microsoft.com/office/powerpoint/2010/main" val="19287630"/>
+                <p14:modId xmlns:p14="http://schemas.microsoft.com/office/powerpoint/2010/main" val="2455499881"/>
               </p:ext>
             </p:extLst>
           </p:nvPr>
         </p:nvGraphicFramePr>
         <p:xfrm>
-          <a:off x="838200" y="1825625"/>
-          <a:ext cx="10515600" cy="4351338"/>
+          <a:off x="838200" y="1828800"/>
+          <a:ext cx="10515600" cy="4352544"/>
         </p:xfrm>
         <a:graphic>
           <a:graphicData uri="http://schemas.openxmlformats.org/drawingml/2006/diagram">
